--- a/PPTs/New Lecture Material/UMU SDC TODO.pptx
+++ b/PPTs/New Lecture Material/UMU SDC TODO.pptx
@@ -5,12 +5,14 @@
     <p:sldMasterId id="2147483648" r:id="rId4"/>
   </p:sldMasterIdLst>
   <p:notesMasterIdLst>
-    <p:notesMasterId r:id="rId8"/>
+    <p:notesMasterId r:id="rId10"/>
   </p:notesMasterIdLst>
   <p:sldIdLst>
     <p:sldId id="256" r:id="rId5"/>
-    <p:sldId id="978" r:id="rId6"/>
-    <p:sldId id="257" r:id="rId7"/>
+    <p:sldId id="979" r:id="rId6"/>
+    <p:sldId id="980" r:id="rId7"/>
+    <p:sldId id="978" r:id="rId8"/>
+    <p:sldId id="257" r:id="rId9"/>
   </p:sldIdLst>
   <p:sldSz cx="9144000" cy="6858000" type="screen4x3"/>
   <p:notesSz cx="6858000" cy="9144000"/>
@@ -211,7 +213,7 @@
             <a:fld id="{7C0CEB4B-0D62-444C-A05C-70565453F06B}" type="datetimeFigureOut">
               <a:rPr lang="en-US" smtClean="0"/>
               <a:pPr/>
-              <a:t>11/22/2022</a:t>
+              <a:t>11/28/2022</a:t>
             </a:fld>
             <a:endParaRPr lang="en-US"/>
           </a:p>
@@ -740,7 +742,7 @@
             <a:fld id="{CE1938E7-FCD4-418C-87D0-DD707A52F1FF}" type="datetimeFigureOut">
               <a:rPr lang="en-US" smtClean="0"/>
               <a:pPr/>
-              <a:t>11/22/2022</a:t>
+              <a:t>11/28/2022</a:t>
             </a:fld>
             <a:endParaRPr lang="en-US"/>
           </a:p>
@@ -1280,7 +1282,7 @@
             <a:fld id="{CE1938E7-FCD4-418C-87D0-DD707A52F1FF}" type="datetimeFigureOut">
               <a:rPr lang="en-US" smtClean="0"/>
               <a:pPr/>
-              <a:t>11/22/2022</a:t>
+              <a:t>11/28/2022</a:t>
             </a:fld>
             <a:endParaRPr lang="en-US"/>
           </a:p>
@@ -1711,6 +1713,176 @@
           <p:cNvPr id="2" name="Title 1">
             <a:extLst>
               <a:ext uri="{FF2B5EF4-FFF2-40B4-BE49-F238E27FC236}">
+                <a16:creationId xmlns:a16="http://schemas.microsoft.com/office/drawing/2014/main" id="{7F45F7A3-0D72-DD4F-C4EF-815D9F62018C}"/>
+              </a:ext>
+            </a:extLst>
+          </p:cNvPr>
+          <p:cNvSpPr>
+            <a:spLocks noGrp="1"/>
+          </p:cNvSpPr>
+          <p:nvPr>
+            <p:ph type="title"/>
+          </p:nvPr>
+        </p:nvSpPr>
+        <p:spPr/>
+        <p:txBody>
+          <a:bodyPr>
+            <a:noAutofit/>
+          </a:bodyPr>
+          <a:lstStyle/>
+          <a:p>
+            <a:r>
+              <a:rPr lang="en-US" sz="2800" dirty="0"/>
+              <a:t>USENIX Security '21 - SLAP: Improving Physical Adversarial Examples with Short-Lived Adversarial</a:t>
+            </a:r>
+            <a:endParaRPr lang="en-SE" sz="2800" dirty="0"/>
+          </a:p>
+        </p:txBody>
+      </p:sp>
+      <p:sp>
+        <p:nvSpPr>
+          <p:cNvPr id="3" name="Content Placeholder 2">
+            <a:extLst>
+              <a:ext uri="{FF2B5EF4-FFF2-40B4-BE49-F238E27FC236}">
+                <a16:creationId xmlns:a16="http://schemas.microsoft.com/office/drawing/2014/main" id="{9153CC77-4535-A6EF-005D-96396E6EACB1}"/>
+              </a:ext>
+            </a:extLst>
+          </p:cNvPr>
+          <p:cNvSpPr>
+            <a:spLocks noGrp="1"/>
+          </p:cNvSpPr>
+          <p:nvPr>
+            <p:ph idx="1"/>
+          </p:nvPr>
+        </p:nvSpPr>
+        <p:spPr/>
+        <p:txBody>
+          <a:bodyPr/>
+          <a:lstStyle/>
+          <a:p>
+            <a:r>
+              <a:rPr lang="en-US" dirty="0"/>
+              <a:t>https://www.youtube.com/watch?v=o4LrVm5LP2E</a:t>
+            </a:r>
+            <a:endParaRPr lang="en-SE" dirty="0"/>
+          </a:p>
+        </p:txBody>
+      </p:sp>
+    </p:spTree>
+    <p:extLst>
+      <p:ext uri="{BB962C8B-B14F-4D97-AF65-F5344CB8AC3E}">
+        <p14:creationId xmlns:p14="http://schemas.microsoft.com/office/powerpoint/2010/main" val="676895655"/>
+      </p:ext>
+    </p:extLst>
+  </p:cSld>
+  <p:clrMapOvr>
+    <a:masterClrMapping/>
+  </p:clrMapOvr>
+</p:sld>
+</file>
+
+<file path=ppt/slides/slide3.xml><?xml version="1.0" encoding="utf-8"?>
+<p:sld xmlns:a="http://schemas.openxmlformats.org/drawingml/2006/main" xmlns:r="http://schemas.openxmlformats.org/officeDocument/2006/relationships" xmlns:p="http://schemas.openxmlformats.org/presentationml/2006/main">
+  <p:cSld>
+    <p:spTree>
+      <p:nvGrpSpPr>
+        <p:cNvPr id="1" name=""/>
+        <p:cNvGrpSpPr/>
+        <p:nvPr/>
+      </p:nvGrpSpPr>
+      <p:grpSpPr>
+        <a:xfrm>
+          <a:off x="0" y="0"/>
+          <a:ext cx="0" cy="0"/>
+          <a:chOff x="0" y="0"/>
+          <a:chExt cx="0" cy="0"/>
+        </a:xfrm>
+      </p:grpSpPr>
+      <p:sp>
+        <p:nvSpPr>
+          <p:cNvPr id="2" name="Title 1">
+            <a:extLst>
+              <a:ext uri="{FF2B5EF4-FFF2-40B4-BE49-F238E27FC236}">
+                <a16:creationId xmlns:a16="http://schemas.microsoft.com/office/drawing/2014/main" id="{C06C26FF-1DE3-8C67-32C4-FB5101E81B67}"/>
+              </a:ext>
+            </a:extLst>
+          </p:cNvPr>
+          <p:cNvSpPr>
+            <a:spLocks noGrp="1"/>
+          </p:cNvSpPr>
+          <p:nvPr>
+            <p:ph type="title"/>
+          </p:nvPr>
+        </p:nvSpPr>
+        <p:spPr/>
+        <p:txBody>
+          <a:bodyPr/>
+          <a:lstStyle/>
+          <a:p>
+            <a:endParaRPr lang="en-SE"/>
+          </a:p>
+        </p:txBody>
+      </p:sp>
+      <p:sp>
+        <p:nvSpPr>
+          <p:cNvPr id="3" name="Content Placeholder 2">
+            <a:extLst>
+              <a:ext uri="{FF2B5EF4-FFF2-40B4-BE49-F238E27FC236}">
+                <a16:creationId xmlns:a16="http://schemas.microsoft.com/office/drawing/2014/main" id="{0C36F78A-365F-07C7-2E72-E1082ED5E2C9}"/>
+              </a:ext>
+            </a:extLst>
+          </p:cNvPr>
+          <p:cNvSpPr>
+            <a:spLocks noGrp="1"/>
+          </p:cNvSpPr>
+          <p:nvPr>
+            <p:ph idx="1"/>
+          </p:nvPr>
+        </p:nvSpPr>
+        <p:spPr/>
+        <p:txBody>
+          <a:bodyPr/>
+          <a:lstStyle/>
+          <a:p>
+            <a:endParaRPr lang="en-SE"/>
+          </a:p>
+        </p:txBody>
+      </p:sp>
+    </p:spTree>
+    <p:extLst>
+      <p:ext uri="{BB962C8B-B14F-4D97-AF65-F5344CB8AC3E}">
+        <p14:creationId xmlns:p14="http://schemas.microsoft.com/office/powerpoint/2010/main" val="503297402"/>
+      </p:ext>
+    </p:extLst>
+  </p:cSld>
+  <p:clrMapOvr>
+    <a:masterClrMapping/>
+  </p:clrMapOvr>
+</p:sld>
+</file>
+
+<file path=ppt/slides/slide4.xml><?xml version="1.0" encoding="utf-8"?>
+<p:sld xmlns:a="http://schemas.openxmlformats.org/drawingml/2006/main" xmlns:r="http://schemas.openxmlformats.org/officeDocument/2006/relationships" xmlns:p="http://schemas.openxmlformats.org/presentationml/2006/main">
+  <p:cSld>
+    <p:spTree>
+      <p:nvGrpSpPr>
+        <p:cNvPr id="1" name=""/>
+        <p:cNvGrpSpPr/>
+        <p:nvPr/>
+      </p:nvGrpSpPr>
+      <p:grpSpPr>
+        <a:xfrm>
+          <a:off x="0" y="0"/>
+          <a:ext cx="0" cy="0"/>
+          <a:chOff x="0" y="0"/>
+          <a:chExt cx="0" cy="0"/>
+        </a:xfrm>
+      </p:grpSpPr>
+      <p:sp>
+        <p:nvSpPr>
+          <p:cNvPr id="2" name="Title 1">
+            <a:extLst>
+              <a:ext uri="{FF2B5EF4-FFF2-40B4-BE49-F238E27FC236}">
                 <a16:creationId xmlns:a16="http://schemas.microsoft.com/office/drawing/2014/main" id="{46BFB814-DEFF-5048-A0B4-F663BDB5545E}"/>
               </a:ext>
             </a:extLst>
@@ -1933,7 +2105,7 @@
               <a:pPr>
                 <a:defRPr/>
               </a:pPr>
-              <a:t>2</a:t>
+              <a:t>4</a:t>
             </a:fld>
             <a:endParaRPr lang="en-US" altLang="zh-CN"/>
           </a:p>
@@ -1982,7 +2154,7 @@
 </p:sld>
 </file>
 
-<file path=ppt/slides/slide3.xml><?xml version="1.0" encoding="utf-8"?>
+<file path=ppt/slides/slide5.xml><?xml version="1.0" encoding="utf-8"?>
 <p:sld xmlns:a="http://schemas.openxmlformats.org/drawingml/2006/main" xmlns:r="http://schemas.openxmlformats.org/officeDocument/2006/relationships" xmlns:p="http://schemas.openxmlformats.org/presentationml/2006/main">
   <p:cSld>
     <p:spTree>
@@ -2646,9 +2818,12 @@
 </file>
 
 <file path=customXml/item1.xml><?xml version="1.0" encoding="utf-8"?>
-<p:properties xmlns:p="http://schemas.microsoft.com/office/2006/metadata/properties" xmlns:xsi="http://www.w3.org/2001/XMLSchema-instance" xmlns:pc="http://schemas.microsoft.com/office/infopath/2007/PartnerControls">
-  <documentManagement/>
-</p:properties>
+<?mso-contentType ?>
+<FormTemplates xmlns="http://schemas.microsoft.com/sharepoint/v3/contenttype/forms">
+  <Display>DocumentLibraryForm</Display>
+  <Edit>DocumentLibraryForm</Edit>
+  <New>DocumentLibraryForm</New>
+</FormTemplates>
 </file>
 
 <file path=customXml/item2.xml><?xml version="1.0" encoding="utf-8"?>
@@ -2784,26 +2959,15 @@
 </file>
 
 <file path=customXml/item3.xml><?xml version="1.0" encoding="utf-8"?>
-<?mso-contentType ?>
-<FormTemplates xmlns="http://schemas.microsoft.com/sharepoint/v3/contenttype/forms">
-  <Display>DocumentLibraryForm</Display>
-  <Edit>DocumentLibraryForm</Edit>
-  <New>DocumentLibraryForm</New>
-</FormTemplates>
+<p:properties xmlns:p="http://schemas.microsoft.com/office/2006/metadata/properties" xmlns:xsi="http://www.w3.org/2001/XMLSchema-instance" xmlns:pc="http://schemas.microsoft.com/office/infopath/2007/PartnerControls">
+  <documentManagement/>
+</p:properties>
 </file>
 
 <file path=customXml/itemProps1.xml><?xml version="1.0" encoding="utf-8"?>
-<ds:datastoreItem xmlns:ds="http://schemas.openxmlformats.org/officeDocument/2006/customXml" ds:itemID="{6B8D1CD2-3289-4F40-8C3A-CFDE35750563}">
+<ds:datastoreItem xmlns:ds="http://schemas.openxmlformats.org/officeDocument/2006/customXml" ds:itemID="{C57B2AAA-3E84-49CC-BE6D-CB4399E554EF}">
   <ds:schemaRefs>
-    <ds:schemaRef ds:uri="221e1496-d443-4306-ad63-a100e0046a13"/>
-    <ds:schemaRef ds:uri="http://schemas.microsoft.com/office/2006/documentManagement/types"/>
-    <ds:schemaRef ds:uri="http://purl.org/dc/elements/1.1/"/>
-    <ds:schemaRef ds:uri="http://schemas.microsoft.com/office/infopath/2007/PartnerControls"/>
-    <ds:schemaRef ds:uri="http://purl.org/dc/dcmitype/"/>
-    <ds:schemaRef ds:uri="http://schemas.microsoft.com/office/2006/metadata/properties"/>
-    <ds:schemaRef ds:uri="http://schemas.openxmlformats.org/package/2006/metadata/core-properties"/>
-    <ds:schemaRef ds:uri="http://www.w3.org/XML/1998/namespace"/>
-    <ds:schemaRef ds:uri="http://purl.org/dc/terms/"/>
+    <ds:schemaRef ds:uri="http://schemas.microsoft.com/sharepoint/v3/contenttype/forms"/>
   </ds:schemaRefs>
 </ds:datastoreItem>
 </file>
@@ -2827,9 +2991,17 @@
 </file>
 
 <file path=customXml/itemProps3.xml><?xml version="1.0" encoding="utf-8"?>
-<ds:datastoreItem xmlns:ds="http://schemas.openxmlformats.org/officeDocument/2006/customXml" ds:itemID="{C57B2AAA-3E84-49CC-BE6D-CB4399E554EF}">
+<ds:datastoreItem xmlns:ds="http://schemas.openxmlformats.org/officeDocument/2006/customXml" ds:itemID="{6B8D1CD2-3289-4F40-8C3A-CFDE35750563}">
   <ds:schemaRefs>
-    <ds:schemaRef ds:uri="http://schemas.microsoft.com/sharepoint/v3/contenttype/forms"/>
+    <ds:schemaRef ds:uri="221e1496-d443-4306-ad63-a100e0046a13"/>
+    <ds:schemaRef ds:uri="http://schemas.microsoft.com/office/2006/documentManagement/types"/>
+    <ds:schemaRef ds:uri="http://purl.org/dc/elements/1.1/"/>
+    <ds:schemaRef ds:uri="http://schemas.microsoft.com/office/infopath/2007/PartnerControls"/>
+    <ds:schemaRef ds:uri="http://purl.org/dc/dcmitype/"/>
+    <ds:schemaRef ds:uri="http://schemas.microsoft.com/office/2006/metadata/properties"/>
+    <ds:schemaRef ds:uri="http://schemas.openxmlformats.org/package/2006/metadata/core-properties"/>
+    <ds:schemaRef ds:uri="http://www.w3.org/XML/1998/namespace"/>
+    <ds:schemaRef ds:uri="http://purl.org/dc/terms/"/>
   </ds:schemaRefs>
 </ds:datastoreItem>
 </file>